--- a/docs/diagrams/SDforAddModuleToStudentStagedTakenCommandLogicAndModel.pptx
+++ b/docs/diagrams/SDforAddModuleToStudentStagedTakenCommandLogicAndModel.pptx
@@ -5,7 +5,7 @@
     <p:sldMasterId id="2147483648" r:id="rId1"/>
   </p:sldMasterIdLst>
   <p:sldIdLst>
-    <p:sldId id="256" r:id="rId3"/>
+    <p:sldId id="256" r:id="rId2"/>
   </p:sldIdLst>
   <p:sldSz cx="12192000" cy="6858000"/>
   <p:notesSz cx="6858000" cy="9144000"/>
@@ -104,6 +104,11 @@
       </a:defRPr>
     </a:lvl9pPr>
   </p:defaultTextStyle>
+  <p:extLst>
+    <p:ext uri="{EFAFB233-063F-42B5-8137-9DF3F51BA10A}">
+      <p15:sldGuideLst xmlns:p15="http://schemas.microsoft.com/office/powerpoint/2012/main"/>
+    </p:ext>
+  </p:extLst>
 </p:presentation>
 </file>
 
@@ -238,6 +243,7 @@
           <a:p>
             <a:fld id="{7A26E73D-0704-41E2-A85C-9874C6C723E6}" type="datetimeFigureOut">
               <a:rPr lang="en-IN" smtClean="0"/>
+              <a:t>12-11-2018</a:t>
             </a:fld>
             <a:endParaRPr lang="en-IN"/>
           </a:p>
@@ -279,6 +285,7 @@
           <a:p>
             <a:fld id="{9898A823-EF09-434C-B78E-A3BDB87BC211}" type="slidenum">
               <a:rPr lang="en-IN" smtClean="0"/>
+              <a:t>‹#›</a:t>
             </a:fld>
             <a:endParaRPr lang="en-IN"/>
           </a:p>
@@ -352,7 +359,6 @@
               <a:rPr lang="en-US"/>
               <a:t>Edit Master text styles</a:t>
             </a:r>
-            <a:endParaRPr lang="en-US"/>
           </a:p>
           <a:p>
             <a:pPr lvl="1"/>
@@ -360,7 +366,6 @@
               <a:rPr lang="en-US"/>
               <a:t>Second level</a:t>
             </a:r>
-            <a:endParaRPr lang="en-US"/>
           </a:p>
           <a:p>
             <a:pPr lvl="2"/>
@@ -368,7 +373,6 @@
               <a:rPr lang="en-US"/>
               <a:t>Third level</a:t>
             </a:r>
-            <a:endParaRPr lang="en-US"/>
           </a:p>
           <a:p>
             <a:pPr lvl="3"/>
@@ -376,7 +380,6 @@
               <a:rPr lang="en-US"/>
               <a:t>Fourth level</a:t>
             </a:r>
-            <a:endParaRPr lang="en-US"/>
           </a:p>
           <a:p>
             <a:pPr lvl="4"/>
@@ -405,6 +408,7 @@
           <a:p>
             <a:fld id="{7A26E73D-0704-41E2-A85C-9874C6C723E6}" type="datetimeFigureOut">
               <a:rPr lang="en-IN" smtClean="0"/>
+              <a:t>12-11-2018</a:t>
             </a:fld>
             <a:endParaRPr lang="en-IN"/>
           </a:p>
@@ -446,6 +450,7 @@
           <a:p>
             <a:fld id="{9898A823-EF09-434C-B78E-A3BDB87BC211}" type="slidenum">
               <a:rPr lang="en-IN" smtClean="0"/>
+              <a:t>‹#›</a:t>
             </a:fld>
             <a:endParaRPr lang="en-IN"/>
           </a:p>
@@ -529,7 +534,6 @@
               <a:rPr lang="en-US"/>
               <a:t>Edit Master text styles</a:t>
             </a:r>
-            <a:endParaRPr lang="en-US"/>
           </a:p>
           <a:p>
             <a:pPr lvl="1"/>
@@ -537,7 +541,6 @@
               <a:rPr lang="en-US"/>
               <a:t>Second level</a:t>
             </a:r>
-            <a:endParaRPr lang="en-US"/>
           </a:p>
           <a:p>
             <a:pPr lvl="2"/>
@@ -545,7 +548,6 @@
               <a:rPr lang="en-US"/>
               <a:t>Third level</a:t>
             </a:r>
-            <a:endParaRPr lang="en-US"/>
           </a:p>
           <a:p>
             <a:pPr lvl="3"/>
@@ -553,7 +555,6 @@
               <a:rPr lang="en-US"/>
               <a:t>Fourth level</a:t>
             </a:r>
-            <a:endParaRPr lang="en-US"/>
           </a:p>
           <a:p>
             <a:pPr lvl="4"/>
@@ -582,6 +583,7 @@
           <a:p>
             <a:fld id="{7A26E73D-0704-41E2-A85C-9874C6C723E6}" type="datetimeFigureOut">
               <a:rPr lang="en-IN" smtClean="0"/>
+              <a:t>12-11-2018</a:t>
             </a:fld>
             <a:endParaRPr lang="en-IN"/>
           </a:p>
@@ -623,6 +625,7 @@
           <a:p>
             <a:fld id="{9898A823-EF09-434C-B78E-A3BDB87BC211}" type="slidenum">
               <a:rPr lang="en-IN" smtClean="0"/>
+              <a:t>‹#›</a:t>
             </a:fld>
             <a:endParaRPr lang="en-IN"/>
           </a:p>
@@ -696,7 +699,6 @@
               <a:rPr lang="en-US"/>
               <a:t>Edit Master text styles</a:t>
             </a:r>
-            <a:endParaRPr lang="en-US"/>
           </a:p>
           <a:p>
             <a:pPr lvl="1"/>
@@ -704,7 +706,6 @@
               <a:rPr lang="en-US"/>
               <a:t>Second level</a:t>
             </a:r>
-            <a:endParaRPr lang="en-US"/>
           </a:p>
           <a:p>
             <a:pPr lvl="2"/>
@@ -712,7 +713,6 @@
               <a:rPr lang="en-US"/>
               <a:t>Third level</a:t>
             </a:r>
-            <a:endParaRPr lang="en-US"/>
           </a:p>
           <a:p>
             <a:pPr lvl="3"/>
@@ -720,7 +720,6 @@
               <a:rPr lang="en-US"/>
               <a:t>Fourth level</a:t>
             </a:r>
-            <a:endParaRPr lang="en-US"/>
           </a:p>
           <a:p>
             <a:pPr lvl="4"/>
@@ -749,6 +748,7 @@
           <a:p>
             <a:fld id="{7A26E73D-0704-41E2-A85C-9874C6C723E6}" type="datetimeFigureOut">
               <a:rPr lang="en-IN" smtClean="0"/>
+              <a:t>12-11-2018</a:t>
             </a:fld>
             <a:endParaRPr lang="en-IN"/>
           </a:p>
@@ -790,6 +790,7 @@
           <a:p>
             <a:fld id="{9898A823-EF09-434C-B78E-A3BDB87BC211}" type="slidenum">
               <a:rPr lang="en-IN" smtClean="0"/>
+              <a:t>‹#›</a:t>
             </a:fld>
             <a:endParaRPr lang="en-IN"/>
           </a:p>
@@ -968,7 +969,6 @@
               <a:rPr lang="en-US"/>
               <a:t>Edit Master text styles</a:t>
             </a:r>
-            <a:endParaRPr lang="en-US"/>
           </a:p>
         </p:txBody>
       </p:sp>
@@ -989,6 +989,7 @@
           <a:p>
             <a:fld id="{7A26E73D-0704-41E2-A85C-9874C6C723E6}" type="datetimeFigureOut">
               <a:rPr lang="en-IN" smtClean="0"/>
+              <a:t>12-11-2018</a:t>
             </a:fld>
             <a:endParaRPr lang="en-IN"/>
           </a:p>
@@ -1030,6 +1031,7 @@
           <a:p>
             <a:fld id="{9898A823-EF09-434C-B78E-A3BDB87BC211}" type="slidenum">
               <a:rPr lang="en-IN" smtClean="0"/>
+              <a:t>‹#›</a:t>
             </a:fld>
             <a:endParaRPr lang="en-IN"/>
           </a:p>
@@ -1108,7 +1110,6 @@
               <a:rPr lang="en-US"/>
               <a:t>Edit Master text styles</a:t>
             </a:r>
-            <a:endParaRPr lang="en-US"/>
           </a:p>
           <a:p>
             <a:pPr lvl="1"/>
@@ -1116,7 +1117,6 @@
               <a:rPr lang="en-US"/>
               <a:t>Second level</a:t>
             </a:r>
-            <a:endParaRPr lang="en-US"/>
           </a:p>
           <a:p>
             <a:pPr lvl="2"/>
@@ -1124,7 +1124,6 @@
               <a:rPr lang="en-US"/>
               <a:t>Third level</a:t>
             </a:r>
-            <a:endParaRPr lang="en-US"/>
           </a:p>
           <a:p>
             <a:pPr lvl="3"/>
@@ -1132,7 +1131,6 @@
               <a:rPr lang="en-US"/>
               <a:t>Fourth level</a:t>
             </a:r>
-            <a:endParaRPr lang="en-US"/>
           </a:p>
           <a:p>
             <a:pPr lvl="4"/>
@@ -1169,7 +1167,6 @@
               <a:rPr lang="en-US"/>
               <a:t>Edit Master text styles</a:t>
             </a:r>
-            <a:endParaRPr lang="en-US"/>
           </a:p>
           <a:p>
             <a:pPr lvl="1"/>
@@ -1177,7 +1174,6 @@
               <a:rPr lang="en-US"/>
               <a:t>Second level</a:t>
             </a:r>
-            <a:endParaRPr lang="en-US"/>
           </a:p>
           <a:p>
             <a:pPr lvl="2"/>
@@ -1185,7 +1181,6 @@
               <a:rPr lang="en-US"/>
               <a:t>Third level</a:t>
             </a:r>
-            <a:endParaRPr lang="en-US"/>
           </a:p>
           <a:p>
             <a:pPr lvl="3"/>
@@ -1193,7 +1188,6 @@
               <a:rPr lang="en-US"/>
               <a:t>Fourth level</a:t>
             </a:r>
-            <a:endParaRPr lang="en-US"/>
           </a:p>
           <a:p>
             <a:pPr lvl="4"/>
@@ -1222,6 +1216,7 @@
           <a:p>
             <a:fld id="{7A26E73D-0704-41E2-A85C-9874C6C723E6}" type="datetimeFigureOut">
               <a:rPr lang="en-IN" smtClean="0"/>
+              <a:t>12-11-2018</a:t>
             </a:fld>
             <a:endParaRPr lang="en-IN"/>
           </a:p>
@@ -1263,6 +1258,7 @@
           <a:p>
             <a:fld id="{9898A823-EF09-434C-B78E-A3BDB87BC211}" type="slidenum">
               <a:rPr lang="en-IN" smtClean="0"/>
+              <a:t>‹#›</a:t>
             </a:fld>
             <a:endParaRPr lang="en-IN"/>
           </a:p>
@@ -1383,7 +1379,6 @@
               <a:rPr lang="en-US"/>
               <a:t>Edit Master text styles</a:t>
             </a:r>
-            <a:endParaRPr lang="en-US"/>
           </a:p>
         </p:txBody>
       </p:sp>
@@ -1412,7 +1407,6 @@
               <a:rPr lang="en-US"/>
               <a:t>Edit Master text styles</a:t>
             </a:r>
-            <a:endParaRPr lang="en-US"/>
           </a:p>
           <a:p>
             <a:pPr lvl="1"/>
@@ -1420,7 +1414,6 @@
               <a:rPr lang="en-US"/>
               <a:t>Second level</a:t>
             </a:r>
-            <a:endParaRPr lang="en-US"/>
           </a:p>
           <a:p>
             <a:pPr lvl="2"/>
@@ -1428,7 +1421,6 @@
               <a:rPr lang="en-US"/>
               <a:t>Third level</a:t>
             </a:r>
-            <a:endParaRPr lang="en-US"/>
           </a:p>
           <a:p>
             <a:pPr lvl="3"/>
@@ -1436,7 +1428,6 @@
               <a:rPr lang="en-US"/>
               <a:t>Fourth level</a:t>
             </a:r>
-            <a:endParaRPr lang="en-US"/>
           </a:p>
           <a:p>
             <a:pPr lvl="4"/>
@@ -1510,7 +1501,6 @@
               <a:rPr lang="en-US"/>
               <a:t>Edit Master text styles</a:t>
             </a:r>
-            <a:endParaRPr lang="en-US"/>
           </a:p>
         </p:txBody>
       </p:sp>
@@ -1539,7 +1529,6 @@
               <a:rPr lang="en-US"/>
               <a:t>Edit Master text styles</a:t>
             </a:r>
-            <a:endParaRPr lang="en-US"/>
           </a:p>
           <a:p>
             <a:pPr lvl="1"/>
@@ -1547,7 +1536,6 @@
               <a:rPr lang="en-US"/>
               <a:t>Second level</a:t>
             </a:r>
-            <a:endParaRPr lang="en-US"/>
           </a:p>
           <a:p>
             <a:pPr lvl="2"/>
@@ -1555,7 +1543,6 @@
               <a:rPr lang="en-US"/>
               <a:t>Third level</a:t>
             </a:r>
-            <a:endParaRPr lang="en-US"/>
           </a:p>
           <a:p>
             <a:pPr lvl="3"/>
@@ -1563,7 +1550,6 @@
               <a:rPr lang="en-US"/>
               <a:t>Fourth level</a:t>
             </a:r>
-            <a:endParaRPr lang="en-US"/>
           </a:p>
           <a:p>
             <a:pPr lvl="4"/>
@@ -1592,6 +1578,7 @@
           <a:p>
             <a:fld id="{7A26E73D-0704-41E2-A85C-9874C6C723E6}" type="datetimeFigureOut">
               <a:rPr lang="en-IN" smtClean="0"/>
+              <a:t>12-11-2018</a:t>
             </a:fld>
             <a:endParaRPr lang="en-IN"/>
           </a:p>
@@ -1633,6 +1620,7 @@
           <a:p>
             <a:fld id="{9898A823-EF09-434C-B78E-A3BDB87BC211}" type="slidenum">
               <a:rPr lang="en-IN" smtClean="0"/>
+              <a:t>‹#›</a:t>
             </a:fld>
             <a:endParaRPr lang="en-IN"/>
           </a:p>
@@ -1703,6 +1691,7 @@
           <a:p>
             <a:fld id="{7A26E73D-0704-41E2-A85C-9874C6C723E6}" type="datetimeFigureOut">
               <a:rPr lang="en-IN" smtClean="0"/>
+              <a:t>12-11-2018</a:t>
             </a:fld>
             <a:endParaRPr lang="en-IN"/>
           </a:p>
@@ -1744,6 +1733,7 @@
           <a:p>
             <a:fld id="{9898A823-EF09-434C-B78E-A3BDB87BC211}" type="slidenum">
               <a:rPr lang="en-IN" smtClean="0"/>
+              <a:t>‹#›</a:t>
             </a:fld>
             <a:endParaRPr lang="en-IN"/>
           </a:p>
@@ -1791,6 +1781,7 @@
           <a:p>
             <a:fld id="{7A26E73D-0704-41E2-A85C-9874C6C723E6}" type="datetimeFigureOut">
               <a:rPr lang="en-IN" smtClean="0"/>
+              <a:t>12-11-2018</a:t>
             </a:fld>
             <a:endParaRPr lang="en-IN"/>
           </a:p>
@@ -1832,6 +1823,7 @@
           <a:p>
             <a:fld id="{9898A823-EF09-434C-B78E-A3BDB87BC211}" type="slidenum">
               <a:rPr lang="en-IN" smtClean="0"/>
+              <a:t>‹#›</a:t>
             </a:fld>
             <a:endParaRPr lang="en-IN"/>
           </a:p>
@@ -1947,7 +1939,6 @@
               <a:rPr lang="en-US"/>
               <a:t>Edit Master text styles</a:t>
             </a:r>
-            <a:endParaRPr lang="en-US"/>
           </a:p>
           <a:p>
             <a:pPr lvl="1"/>
@@ -1955,7 +1946,6 @@
               <a:rPr lang="en-US"/>
               <a:t>Second level</a:t>
             </a:r>
-            <a:endParaRPr lang="en-US"/>
           </a:p>
           <a:p>
             <a:pPr lvl="2"/>
@@ -1963,7 +1953,6 @@
               <a:rPr lang="en-US"/>
               <a:t>Third level</a:t>
             </a:r>
-            <a:endParaRPr lang="en-US"/>
           </a:p>
           <a:p>
             <a:pPr lvl="3"/>
@@ -1971,7 +1960,6 @@
               <a:rPr lang="en-US"/>
               <a:t>Fourth level</a:t>
             </a:r>
-            <a:endParaRPr lang="en-US"/>
           </a:p>
           <a:p>
             <a:pPr lvl="4"/>
@@ -2045,7 +2033,6 @@
               <a:rPr lang="en-US"/>
               <a:t>Edit Master text styles</a:t>
             </a:r>
-            <a:endParaRPr lang="en-US"/>
           </a:p>
         </p:txBody>
       </p:sp>
@@ -2066,6 +2053,7 @@
           <a:p>
             <a:fld id="{7A26E73D-0704-41E2-A85C-9874C6C723E6}" type="datetimeFigureOut">
               <a:rPr lang="en-IN" smtClean="0"/>
+              <a:t>12-11-2018</a:t>
             </a:fld>
             <a:endParaRPr lang="en-IN"/>
           </a:p>
@@ -2107,6 +2095,7 @@
           <a:p>
             <a:fld id="{9898A823-EF09-434C-B78E-A3BDB87BC211}" type="slidenum">
               <a:rPr lang="en-IN" smtClean="0"/>
+              <a:t>‹#›</a:t>
             </a:fld>
             <a:endParaRPr lang="en-IN"/>
           </a:p>
@@ -2292,7 +2281,6 @@
               <a:rPr lang="en-US"/>
               <a:t>Edit Master text styles</a:t>
             </a:r>
-            <a:endParaRPr lang="en-US"/>
           </a:p>
         </p:txBody>
       </p:sp>
@@ -2313,6 +2301,7 @@
           <a:p>
             <a:fld id="{7A26E73D-0704-41E2-A85C-9874C6C723E6}" type="datetimeFigureOut">
               <a:rPr lang="en-IN" smtClean="0"/>
+              <a:t>12-11-2018</a:t>
             </a:fld>
             <a:endParaRPr lang="en-IN"/>
           </a:p>
@@ -2354,6 +2343,7 @@
           <a:p>
             <a:fld id="{9898A823-EF09-434C-B78E-A3BDB87BC211}" type="slidenum">
               <a:rPr lang="en-IN" smtClean="0"/>
+              <a:t>‹#›</a:t>
             </a:fld>
             <a:endParaRPr lang="en-IN"/>
           </a:p>
@@ -2452,7 +2442,6 @@
               <a:rPr lang="en-US"/>
               <a:t>Edit Master text styles</a:t>
             </a:r>
-            <a:endParaRPr lang="en-US"/>
           </a:p>
           <a:p>
             <a:pPr lvl="1"/>
@@ -2460,7 +2449,6 @@
               <a:rPr lang="en-US"/>
               <a:t>Second level</a:t>
             </a:r>
-            <a:endParaRPr lang="en-US"/>
           </a:p>
           <a:p>
             <a:pPr lvl="2"/>
@@ -2468,7 +2456,6 @@
               <a:rPr lang="en-US"/>
               <a:t>Third level</a:t>
             </a:r>
-            <a:endParaRPr lang="en-US"/>
           </a:p>
           <a:p>
             <a:pPr lvl="3"/>
@@ -2476,7 +2463,6 @@
               <a:rPr lang="en-US"/>
               <a:t>Fourth level</a:t>
             </a:r>
-            <a:endParaRPr lang="en-US"/>
           </a:p>
           <a:p>
             <a:pPr lvl="4"/>
@@ -2523,6 +2509,7 @@
           <a:p>
             <a:fld id="{7A26E73D-0704-41E2-A85C-9874C6C723E6}" type="datetimeFigureOut">
               <a:rPr lang="en-IN" smtClean="0"/>
+              <a:t>12-11-2018</a:t>
             </a:fld>
             <a:endParaRPr lang="en-IN"/>
           </a:p>
@@ -2600,6 +2587,7 @@
           <a:p>
             <a:fld id="{9898A823-EF09-434C-B78E-A3BDB87BC211}" type="slidenum">
               <a:rPr lang="en-IN" smtClean="0"/>
+              <a:t>‹#›</a:t>
             </a:fld>
             <a:endParaRPr lang="en-IN"/>
           </a:p>
@@ -2929,8 +2917,8 @@
         </p:nvSpPr>
         <p:spPr>
           <a:xfrm>
-            <a:off x="2153285" y="1113155"/>
-            <a:ext cx="7560310" cy="5492750"/>
+            <a:off x="1039495" y="91440"/>
+            <a:ext cx="7560945" cy="6340475"/>
           </a:xfrm>
           <a:prstGeom prst="roundRect">
             <a:avLst>
@@ -2990,7 +2978,7 @@
         </p:nvSpPr>
         <p:spPr>
           <a:xfrm>
-            <a:off x="2317115" y="1563370"/>
+            <a:off x="1203960" y="506095"/>
             <a:ext cx="1455420" cy="464185"/>
           </a:xfrm>
           <a:prstGeom prst="rect">
@@ -3057,8 +3045,8 @@
         </p:nvCxnSpPr>
         <p:spPr>
           <a:xfrm>
-            <a:off x="3044742" y="2044444"/>
-            <a:ext cx="0" cy="2597583"/>
+            <a:off x="1931670" y="987425"/>
+            <a:ext cx="19050" cy="5372100"/>
           </a:xfrm>
           <a:prstGeom prst="line">
             <a:avLst/>
@@ -3094,8 +3082,8 @@
         </p:nvSpPr>
         <p:spPr>
           <a:xfrm>
-            <a:off x="2969260" y="2557145"/>
-            <a:ext cx="151765" cy="3975735"/>
+            <a:off x="1856105" y="1341841"/>
+            <a:ext cx="151765" cy="4888779"/>
           </a:xfrm>
           <a:prstGeom prst="rect">
             <a:avLst/>
@@ -3141,7 +3129,7 @@
         </p:nvSpPr>
         <p:spPr>
           <a:xfrm>
-            <a:off x="4215083" y="1563536"/>
+            <a:off x="3101928" y="506261"/>
             <a:ext cx="1219200" cy="467684"/>
           </a:xfrm>
           <a:prstGeom prst="rect">
@@ -3223,8 +3211,8 @@
         </p:nvCxnSpPr>
         <p:spPr>
           <a:xfrm flipH="1">
-            <a:off x="4812030" y="2047875"/>
-            <a:ext cx="16510" cy="4572635"/>
+            <a:off x="3702685" y="990600"/>
+            <a:ext cx="12700" cy="5240655"/>
           </a:xfrm>
           <a:prstGeom prst="line">
             <a:avLst/>
@@ -3260,7 +3248,7 @@
         </p:nvSpPr>
         <p:spPr>
           <a:xfrm>
-            <a:off x="4756473" y="2506323"/>
+            <a:off x="3643318" y="1449048"/>
             <a:ext cx="174929" cy="1129459"/>
           </a:xfrm>
           <a:prstGeom prst="rect">
@@ -3311,8 +3299,8 @@
         </p:nvSpPr>
         <p:spPr>
           <a:xfrm>
-            <a:off x="7693660" y="2399665"/>
-            <a:ext cx="1093470" cy="683260"/>
+            <a:off x="6580505" y="1256455"/>
+            <a:ext cx="1093470" cy="769195"/>
           </a:xfrm>
           <a:prstGeom prst="rect">
             <a:avLst/>
@@ -3396,9 +3384,9 @@
           <p:nvPr/>
         </p:nvCxnSpPr>
         <p:spPr>
-          <a:xfrm>
-            <a:off x="8244205" y="3087370"/>
-            <a:ext cx="20955" cy="3401060"/>
+          <a:xfrm flipH="1">
+            <a:off x="7117080" y="2030095"/>
+            <a:ext cx="13970" cy="4235450"/>
           </a:xfrm>
           <a:prstGeom prst="line">
             <a:avLst/>
@@ -3434,7 +3422,7 @@
         </p:nvSpPr>
         <p:spPr>
           <a:xfrm>
-            <a:off x="8168257" y="3087160"/>
+            <a:off x="7055102" y="2029885"/>
             <a:ext cx="152400" cy="250912"/>
           </a:xfrm>
           <a:prstGeom prst="rect">
@@ -3481,7 +3469,7 @@
         </p:nvCxnSpPr>
         <p:spPr>
           <a:xfrm>
-            <a:off x="1849073" y="2556941"/>
+            <a:off x="735918" y="1355278"/>
             <a:ext cx="1119851" cy="0"/>
           </a:xfrm>
           <a:prstGeom prst="straightConnector1">
@@ -3512,13 +3500,15 @@
       <p:cxnSp>
         <p:nvCxnSpPr>
           <p:cNvPr id="15" name="Straight Arrow Connector 14"/>
-          <p:cNvCxnSpPr/>
+          <p:cNvCxnSpPr>
+            <a:cxnSpLocks/>
+          </p:cNvCxnSpPr>
           <p:nvPr/>
         </p:nvCxnSpPr>
         <p:spPr>
-          <a:xfrm flipV="1">
-            <a:off x="3142279" y="2557124"/>
-            <a:ext cx="1596514" cy="1"/>
+          <a:xfrm>
+            <a:off x="2017059" y="1435490"/>
+            <a:ext cx="1626259" cy="21345"/>
           </a:xfrm>
           <a:prstGeom prst="straightConnector1">
             <a:avLst/>
@@ -3553,7 +3543,7 @@
         </p:nvCxnSpPr>
         <p:spPr>
           <a:xfrm flipV="1">
-            <a:off x="6682982" y="3087441"/>
+            <a:off x="5569827" y="2030166"/>
             <a:ext cx="1014631" cy="1"/>
           </a:xfrm>
           <a:prstGeom prst="straightConnector1">
@@ -3589,7 +3579,7 @@
         </p:nvSpPr>
         <p:spPr>
           <a:xfrm>
-            <a:off x="5499152" y="3955503"/>
+            <a:off x="4385997" y="2898228"/>
             <a:ext cx="855809" cy="215265"/>
           </a:xfrm>
           <a:prstGeom prst="rect">
@@ -3618,7 +3608,6 @@
               <a:rPr lang="en-US" dirty="0"/>
               <a:t>execute()</a:t>
             </a:r>
-            <a:endParaRPr lang="en-US" dirty="0"/>
           </a:p>
         </p:txBody>
       </p:sp>
@@ -3630,7 +3619,7 @@
         </p:nvCxnSpPr>
         <p:spPr>
           <a:xfrm>
-            <a:off x="6729683" y="3308673"/>
+            <a:off x="5616528" y="2251398"/>
             <a:ext cx="1492974" cy="0"/>
           </a:xfrm>
           <a:prstGeom prst="straightConnector1">
@@ -3663,13 +3652,15 @@
       <p:cxnSp>
         <p:nvCxnSpPr>
           <p:cNvPr id="19" name="Straight Arrow Connector 18"/>
-          <p:cNvCxnSpPr/>
+          <p:cNvCxnSpPr>
+            <a:cxnSpLocks/>
+          </p:cNvCxnSpPr>
           <p:nvPr/>
         </p:nvCxnSpPr>
         <p:spPr>
-          <a:xfrm flipV="1">
-            <a:off x="3142069" y="3627458"/>
-            <a:ext cx="1596514" cy="5378"/>
+          <a:xfrm>
+            <a:off x="2017059" y="2565359"/>
+            <a:ext cx="1608369" cy="4824"/>
           </a:xfrm>
           <a:prstGeom prst="straightConnector1">
             <a:avLst/>
@@ -3706,18 +3697,18 @@
         </p:nvSpPr>
         <p:spPr>
           <a:xfrm>
-            <a:off x="9713649" y="1924862"/>
+            <a:off x="8600494" y="867587"/>
             <a:ext cx="1030504" cy="346760"/>
           </a:xfrm>
           <a:prstGeom prst="rect">
             <a:avLst/>
           </a:prstGeom>
           <a:solidFill>
-            <a:srgbClr val="9933FF"/>
+            <a:srgbClr val="7030A0"/>
           </a:solidFill>
           <a:ln w="19050">
             <a:solidFill>
-              <a:srgbClr val="6F75F7"/>
+              <a:srgbClr val="7030A0"/>
             </a:solidFill>
           </a:ln>
           <a:effectLst/>
@@ -3760,13 +3751,15 @@
       <p:cxnSp>
         <p:nvCxnSpPr>
           <p:cNvPr id="21" name="Straight Arrow Connector 20"/>
-          <p:cNvCxnSpPr/>
+          <p:cNvCxnSpPr>
+            <a:cxnSpLocks/>
+          </p:cNvCxnSpPr>
           <p:nvPr/>
         </p:nvCxnSpPr>
         <p:spPr>
           <a:xfrm>
-            <a:off x="3130214" y="3859405"/>
-            <a:ext cx="5043123" cy="0"/>
+            <a:off x="2017059" y="2797358"/>
+            <a:ext cx="5001966" cy="4824"/>
           </a:xfrm>
           <a:prstGeom prst="straightConnector1">
             <a:avLst/>
@@ -3801,8 +3794,8 @@
         </p:nvSpPr>
         <p:spPr>
           <a:xfrm>
-            <a:off x="8173085" y="3859530"/>
-            <a:ext cx="156845" cy="2527935"/>
+            <a:off x="7018655" y="2802255"/>
+            <a:ext cx="198120" cy="3274695"/>
           </a:xfrm>
           <a:prstGeom prst="rect">
             <a:avLst/>
@@ -3848,7 +3841,7 @@
         </p:nvCxnSpPr>
         <p:spPr>
           <a:xfrm flipH="1">
-            <a:off x="10222865" y="2251075"/>
+            <a:off x="9109710" y="1193800"/>
             <a:ext cx="13335" cy="4136390"/>
           </a:xfrm>
           <a:prstGeom prst="line">
@@ -3856,7 +3849,7 @@
           </a:prstGeom>
           <a:ln w="19050">
             <a:solidFill>
-              <a:srgbClr val="9933FF"/>
+              <a:srgbClr val="7030A0"/>
             </a:solidFill>
             <a:prstDash val="sysDash"/>
           </a:ln>
@@ -3885,18 +3878,18 @@
         </p:nvSpPr>
         <p:spPr>
           <a:xfrm>
-            <a:off x="10159365" y="3909060"/>
+            <a:off x="9046210" y="2851785"/>
             <a:ext cx="139700" cy="154305"/>
           </a:xfrm>
           <a:prstGeom prst="rect">
             <a:avLst/>
           </a:prstGeom>
           <a:solidFill>
-            <a:srgbClr val="9933FF"/>
+            <a:srgbClr val="7030A0"/>
           </a:solidFill>
           <a:ln>
             <a:solidFill>
-              <a:srgbClr val="6F75F7"/>
+              <a:srgbClr val="7030A0"/>
             </a:solidFill>
           </a:ln>
           <a:effectLst/>
@@ -3936,7 +3929,7 @@
         </p:nvCxnSpPr>
         <p:spPr>
           <a:xfrm>
-            <a:off x="8323181" y="4224026"/>
+            <a:off x="7210026" y="3193421"/>
             <a:ext cx="1836137" cy="0"/>
           </a:xfrm>
           <a:prstGeom prst="straightConnector1">
@@ -3944,7 +3937,7 @@
           </a:prstGeom>
           <a:ln w="19050">
             <a:solidFill>
-              <a:srgbClr val="9933FF"/>
+              <a:srgbClr val="7030A0"/>
             </a:solidFill>
             <a:tailEnd type="arrow"/>
           </a:ln>
@@ -3972,7 +3965,7 @@
         </p:nvCxnSpPr>
         <p:spPr>
           <a:xfrm>
-            <a:off x="8332053" y="4424873"/>
+            <a:off x="7218898" y="3394268"/>
             <a:ext cx="1863193" cy="0"/>
           </a:xfrm>
           <a:prstGeom prst="straightConnector1">
@@ -3980,7 +3973,7 @@
           </a:prstGeom>
           <a:ln w="19050">
             <a:solidFill>
-              <a:srgbClr val="9933FF"/>
+              <a:srgbClr val="7030A0"/>
             </a:solidFill>
             <a:prstDash val="sysDash"/>
             <a:headEnd type="arrow" w="med" len="med"/>
@@ -4010,7 +4003,7 @@
         </p:nvCxnSpPr>
         <p:spPr>
           <a:xfrm>
-            <a:off x="3121324" y="6387642"/>
+            <a:off x="2008169" y="6077127"/>
             <a:ext cx="5052349" cy="0"/>
           </a:xfrm>
           <a:prstGeom prst="straightConnector1">
@@ -4048,7 +4041,7 @@
         </p:nvSpPr>
         <p:spPr>
           <a:xfrm>
-            <a:off x="8653187" y="4062426"/>
+            <a:off x="7540032" y="3018486"/>
             <a:ext cx="1424846" cy="161290"/>
           </a:xfrm>
           <a:prstGeom prst="rect">
@@ -4089,11 +4082,6 @@
               </a:rPr>
               <a:t>()</a:t>
             </a:r>
-            <a:endParaRPr lang="en-US" sz="1050" dirty="0">
-              <a:solidFill>
-                <a:srgbClr val="7030A0"/>
-              </a:solidFill>
-            </a:endParaRPr>
           </a:p>
         </p:txBody>
       </p:sp>
@@ -4105,7 +4093,7 @@
         </p:nvSpPr>
         <p:spPr>
           <a:xfrm>
-            <a:off x="3227571" y="2599774"/>
+            <a:off x="2114416" y="1542499"/>
             <a:ext cx="1424846" cy="738505"/>
           </a:xfrm>
           <a:prstGeom prst="rect">
@@ -4141,7 +4129,15 @@
             <a:pPr algn="l"/>
             <a:r>
               <a:rPr lang="en-US" sz="1200" dirty="0"/>
-              <a:t>(“"addModuleS/T </a:t>
+              <a:t>(“</a:t>
+            </a:r>
+            <a:r>
+              <a:rPr lang="en-US" sz="1200" dirty="0" err="1"/>
+              <a:t>addModuleS</a:t>
+            </a:r>
+            <a:r>
+              <a:rPr lang="en-US" sz="1200" dirty="0"/>
+              <a:t>/T </a:t>
             </a:r>
             <a:br>
               <a:rPr lang="en-US" sz="1200" dirty="0"/>
@@ -4150,7 +4146,6 @@
               <a:rPr lang="en-US" sz="1200" dirty="0"/>
               <a:t>CS1010</a:t>
             </a:r>
-            <a:endParaRPr lang="en-US" sz="1200" dirty="0"/>
           </a:p>
           <a:p>
             <a:pPr algn="l"/>
@@ -4158,7 +4153,6 @@
               <a:rPr lang="en-US" sz="1200" dirty="0"/>
               <a:t>”)</a:t>
             </a:r>
-            <a:endParaRPr lang="en-US" sz="1200" dirty="0"/>
           </a:p>
         </p:txBody>
       </p:sp>
@@ -4170,7 +4164,7 @@
         </p:nvSpPr>
         <p:spPr>
           <a:xfrm>
-            <a:off x="5616440" y="6091795"/>
+            <a:off x="4503285" y="5794615"/>
             <a:ext cx="621216" cy="215444"/>
           </a:xfrm>
           <a:prstGeom prst="rect">
@@ -4199,7 +4193,6 @@
               <a:rPr lang="en-US" dirty="0"/>
               <a:t>result</a:t>
             </a:r>
-            <a:endParaRPr lang="en-US" dirty="0"/>
           </a:p>
         </p:txBody>
       </p:sp>
@@ -4211,7 +4204,7 @@
         </p:nvSpPr>
         <p:spPr>
           <a:xfrm>
-            <a:off x="2088376" y="6314635"/>
+            <a:off x="975221" y="6004120"/>
             <a:ext cx="762000" cy="215444"/>
           </a:xfrm>
           <a:prstGeom prst="rect">
@@ -4240,7 +4233,6 @@
               <a:rPr lang="en-US" dirty="0"/>
               <a:t>result</a:t>
             </a:r>
-            <a:endParaRPr lang="en-US" dirty="0"/>
           </a:p>
         </p:txBody>
       </p:sp>
@@ -4252,7 +4244,7 @@
         </p:nvSpPr>
         <p:spPr>
           <a:xfrm>
-            <a:off x="8494669" y="5796817"/>
+            <a:off x="7381514" y="5499637"/>
             <a:ext cx="1174848" cy="338178"/>
           </a:xfrm>
           <a:prstGeom prst="rect">
@@ -4319,7 +4311,7 @@
         </p:nvSpPr>
         <p:spPr>
           <a:xfrm>
-            <a:off x="8996368" y="6135396"/>
+            <a:off x="7883213" y="5824881"/>
             <a:ext cx="152400" cy="171376"/>
           </a:xfrm>
           <a:prstGeom prst="rect">
@@ -4366,7 +4358,7 @@
         </p:nvCxnSpPr>
         <p:spPr>
           <a:xfrm>
-            <a:off x="8329945" y="6274424"/>
+            <a:off x="7216790" y="5963909"/>
             <a:ext cx="666423" cy="0"/>
           </a:xfrm>
           <a:prstGeom prst="straightConnector1">
@@ -4404,7 +4396,7 @@
         </p:nvSpPr>
         <p:spPr>
           <a:xfrm>
-            <a:off x="5703570" y="1839595"/>
+            <a:off x="4590415" y="782320"/>
             <a:ext cx="1876425" cy="889635"/>
           </a:xfrm>
           <a:prstGeom prst="rect">
@@ -4487,7 +4479,7 @@
         </p:nvCxnSpPr>
         <p:spPr>
           <a:xfrm>
-            <a:off x="4934474" y="3041827"/>
+            <a:off x="3821319" y="1984552"/>
             <a:ext cx="1597356" cy="1"/>
           </a:xfrm>
           <a:prstGeom prst="straightConnector1">
@@ -4521,7 +4513,7 @@
         </p:nvSpPr>
         <p:spPr>
           <a:xfrm>
-            <a:off x="6528020" y="2733852"/>
+            <a:off x="5414865" y="1676577"/>
             <a:ext cx="205843" cy="123165"/>
           </a:xfrm>
           <a:prstGeom prst="rect">
@@ -4568,7 +4560,7 @@
         </p:nvCxnSpPr>
         <p:spPr>
           <a:xfrm>
-            <a:off x="6634752" y="2737027"/>
+            <a:off x="5521597" y="1679752"/>
             <a:ext cx="0" cy="990600"/>
           </a:xfrm>
           <a:prstGeom prst="line">
@@ -4605,7 +4597,7 @@
         </p:nvSpPr>
         <p:spPr>
           <a:xfrm>
-            <a:off x="6531830" y="3041828"/>
+            <a:off x="5418675" y="1984553"/>
             <a:ext cx="205843" cy="533400"/>
           </a:xfrm>
           <a:prstGeom prst="rect">
@@ -4647,13 +4639,15 @@
       <p:cxnSp>
         <p:nvCxnSpPr>
           <p:cNvPr id="41" name="Straight Arrow Connector 40"/>
-          <p:cNvCxnSpPr/>
+          <p:cNvCxnSpPr>
+            <a:endCxn id="40" idx="2"/>
+          </p:cNvCxnSpPr>
           <p:nvPr/>
         </p:nvCxnSpPr>
         <p:spPr>
           <a:xfrm>
-            <a:off x="4971265" y="3569300"/>
-            <a:ext cx="1667219" cy="0"/>
+            <a:off x="3816985" y="2516505"/>
+            <a:ext cx="1704340" cy="1270"/>
           </a:xfrm>
           <a:prstGeom prst="straightConnector1">
             <a:avLst/>
@@ -4690,7 +4684,7 @@
         </p:nvCxnSpPr>
         <p:spPr>
           <a:xfrm>
-            <a:off x="8322898" y="5843722"/>
+            <a:off x="7209743" y="5546542"/>
             <a:ext cx="162246" cy="0"/>
           </a:xfrm>
           <a:prstGeom prst="straightConnector1">
@@ -4724,7 +4718,7 @@
         </p:nvCxnSpPr>
         <p:spPr>
           <a:xfrm>
-            <a:off x="4884308" y="2557231"/>
+            <a:off x="3771153" y="1499956"/>
             <a:ext cx="819556" cy="1"/>
           </a:xfrm>
           <a:prstGeom prst="straightConnector1">
@@ -4760,7 +4754,7 @@
         </p:nvCxnSpPr>
         <p:spPr>
           <a:xfrm>
-            <a:off x="4931402" y="2860192"/>
+            <a:off x="3818247" y="1802917"/>
             <a:ext cx="1600428" cy="0"/>
           </a:xfrm>
           <a:prstGeom prst="straightConnector1">
@@ -4798,7 +4792,7 @@
         </p:nvSpPr>
         <p:spPr>
           <a:xfrm>
-            <a:off x="4857170" y="3053460"/>
+            <a:off x="3744015" y="1996185"/>
             <a:ext cx="1424846" cy="153670"/>
           </a:xfrm>
           <a:prstGeom prst="rect">
@@ -4827,7 +4821,6 @@
               <a:rPr lang="en-US" sz="1000" dirty="0"/>
               <a:t>parse (“CS1010”)</a:t>
             </a:r>
-            <a:endParaRPr lang="en-US" sz="1000" dirty="0"/>
           </a:p>
         </p:txBody>
       </p:sp>
@@ -4840,7 +4833,7 @@
           <p:nvPr/>
         </p:nvPicPr>
         <p:blipFill>
-          <a:blip r:embed="rId1">
+          <a:blip r:embed="rId2" cstate="print">
             <a:extLst>
               <a:ext uri="{28A0092B-C50C-407E-A947-70E740481C1C}">
                 <a14:useLocalDpi xmlns:a14="http://schemas.microsoft.com/office/drawing/2010/main" val="0"/>
@@ -4853,7 +4846,7 @@
         </p:blipFill>
         <p:spPr>
           <a:xfrm>
-            <a:off x="6518927" y="3613057"/>
+            <a:off x="5405772" y="2555782"/>
             <a:ext cx="246400" cy="246400"/>
           </a:xfrm>
           <a:prstGeom prst="rect">
@@ -4869,7 +4862,7 @@
         </p:nvCxnSpPr>
         <p:spPr>
           <a:xfrm>
-            <a:off x="8336868" y="4686918"/>
+            <a:off x="7223713" y="3629643"/>
             <a:ext cx="1836137" cy="0"/>
           </a:xfrm>
           <a:prstGeom prst="straightConnector1">
@@ -4877,7 +4870,7 @@
           </a:prstGeom>
           <a:ln w="19050">
             <a:solidFill>
-              <a:srgbClr val="9933FF"/>
+              <a:srgbClr val="7030A0"/>
             </a:solidFill>
             <a:tailEnd type="arrow"/>
           </a:ln>
@@ -4905,7 +4898,7 @@
         </p:nvSpPr>
         <p:spPr>
           <a:xfrm>
-            <a:off x="8194040" y="4491990"/>
+            <a:off x="7080885" y="3434715"/>
             <a:ext cx="1979295" cy="161290"/>
           </a:xfrm>
           <a:prstGeom prst="rect">
@@ -4946,11 +4939,6 @@
               </a:rPr>
               <a:t>(…)</a:t>
             </a:r>
-            <a:endParaRPr lang="en-US" sz="1050" dirty="0">
-              <a:solidFill>
-                <a:srgbClr val="7030A0"/>
-              </a:solidFill>
-            </a:endParaRPr>
           </a:p>
         </p:txBody>
       </p:sp>
@@ -4962,7 +4950,7 @@
         </p:nvSpPr>
         <p:spPr>
           <a:xfrm>
-            <a:off x="8606226" y="4263325"/>
+            <a:off x="7493071" y="3232720"/>
             <a:ext cx="1424846" cy="161583"/>
           </a:xfrm>
           <a:prstGeom prst="rect">
@@ -5011,7 +4999,7 @@
         </p:nvCxnSpPr>
         <p:spPr>
           <a:xfrm>
-            <a:off x="8322707" y="4897231"/>
+            <a:off x="7209552" y="3839956"/>
             <a:ext cx="1865554" cy="0"/>
           </a:xfrm>
           <a:prstGeom prst="straightConnector1">
@@ -5019,7 +5007,7 @@
           </a:prstGeom>
           <a:ln w="19050">
             <a:solidFill>
-              <a:srgbClr val="9933FF"/>
+              <a:srgbClr val="7030A0"/>
             </a:solidFill>
             <a:prstDash val="sysDash"/>
             <a:headEnd type="arrow" w="med" len="med"/>
@@ -5049,7 +5037,7 @@
         </p:nvSpPr>
         <p:spPr>
           <a:xfrm>
-            <a:off x="8660201" y="4735765"/>
+            <a:off x="7547046" y="3678490"/>
             <a:ext cx="1424846" cy="161290"/>
           </a:xfrm>
           <a:prstGeom prst="rect">
@@ -5082,11 +5070,6 @@
               </a:rPr>
               <a:t>Optional&lt;Module&gt;</a:t>
             </a:r>
-            <a:endParaRPr lang="en-US" sz="1050" i="1" dirty="0">
-              <a:solidFill>
-                <a:srgbClr val="7030A0"/>
-              </a:solidFill>
-            </a:endParaRPr>
           </a:p>
         </p:txBody>
       </p:sp>
@@ -5098,7 +5081,7 @@
         </p:nvSpPr>
         <p:spPr>
           <a:xfrm>
-            <a:off x="8653216" y="5173280"/>
+            <a:off x="7540061" y="4147120"/>
             <a:ext cx="1424846" cy="161583"/>
           </a:xfrm>
           <a:prstGeom prst="rect">
@@ -5142,20 +5125,22 @@
       <p:cxnSp>
         <p:nvCxnSpPr>
           <p:cNvPr id="45" name="Straight Arrow Connector 44"/>
-          <p:cNvCxnSpPr/>
+          <p:cNvCxnSpPr>
+            <a:cxnSpLocks/>
+          </p:cNvCxnSpPr>
           <p:nvPr/>
         </p:nvCxnSpPr>
         <p:spPr>
           <a:xfrm>
-            <a:off x="8358741" y="5145411"/>
-            <a:ext cx="1836137" cy="0"/>
+            <a:off x="7207502" y="4111734"/>
+            <a:ext cx="1860617" cy="7511"/>
           </a:xfrm>
           <a:prstGeom prst="straightConnector1">
             <a:avLst/>
           </a:prstGeom>
           <a:ln w="19050">
             <a:solidFill>
-              <a:srgbClr val="9933FF"/>
+              <a:srgbClr val="7030A0"/>
             </a:solidFill>
             <a:tailEnd type="arrow"/>
           </a:ln>
@@ -5183,7 +5168,7 @@
         </p:nvSpPr>
         <p:spPr>
           <a:xfrm>
-            <a:off x="8312150" y="4944110"/>
+            <a:off x="7198995" y="3922395"/>
             <a:ext cx="1857375" cy="161290"/>
           </a:xfrm>
           <a:prstGeom prst="rect">
@@ -5214,7 +5199,7 @@
                   <a:srgbClr val="7030A0"/>
                 </a:solidFill>
               </a:rPr>
-              <a:t>hasModuleStaged/Taken</a:t>
+              <a:t>hasModuleStaged</a:t>
             </a:r>
             <a:r>
               <a:rPr lang="en-US" sz="1050" dirty="0">
@@ -5224,11 +5209,6 @@
               </a:rPr>
               <a:t>(...)</a:t>
             </a:r>
-            <a:endParaRPr lang="en-US" sz="1050" dirty="0">
-              <a:solidFill>
-                <a:srgbClr val="7030A0"/>
-              </a:solidFill>
-            </a:endParaRPr>
           </a:p>
         </p:txBody>
       </p:sp>
@@ -5240,7 +5220,7 @@
         </p:nvCxnSpPr>
         <p:spPr>
           <a:xfrm>
-            <a:off x="8316357" y="5334746"/>
+            <a:off x="7203202" y="4308586"/>
             <a:ext cx="1865554" cy="0"/>
           </a:xfrm>
           <a:prstGeom prst="straightConnector1">
@@ -5248,7 +5228,7 @@
           </a:prstGeom>
           <a:ln w="19050">
             <a:solidFill>
-              <a:srgbClr val="9933FF"/>
+              <a:srgbClr val="7030A0"/>
             </a:solidFill>
             <a:prstDash val="sysDash"/>
             <a:headEnd type="arrow" w="med" len="med"/>
@@ -5273,20 +5253,22 @@
       <p:cxnSp>
         <p:nvCxnSpPr>
           <p:cNvPr id="53" name="Straight Arrow Connector 52"/>
-          <p:cNvCxnSpPr/>
+          <p:cNvCxnSpPr>
+            <a:cxnSpLocks/>
+          </p:cNvCxnSpPr>
           <p:nvPr/>
         </p:nvCxnSpPr>
         <p:spPr>
           <a:xfrm>
-            <a:off x="8316831" y="5530221"/>
-            <a:ext cx="1836137" cy="0"/>
+            <a:off x="7216775" y="4544066"/>
+            <a:ext cx="1835071" cy="0"/>
           </a:xfrm>
           <a:prstGeom prst="straightConnector1">
             <a:avLst/>
           </a:prstGeom>
           <a:ln w="19050">
             <a:solidFill>
-              <a:srgbClr val="9933FF"/>
+              <a:srgbClr val="7030A0"/>
             </a:solidFill>
             <a:tailEnd type="arrow"/>
           </a:ln>
@@ -5314,7 +5296,7 @@
         </p:nvCxnSpPr>
         <p:spPr>
           <a:xfrm>
-            <a:off x="8311912" y="5680186"/>
+            <a:off x="7198757" y="4694031"/>
             <a:ext cx="1865554" cy="0"/>
           </a:xfrm>
           <a:prstGeom prst="straightConnector1">
@@ -5322,7 +5304,7 @@
           </a:prstGeom>
           <a:ln w="19050">
             <a:solidFill>
-              <a:srgbClr val="9933FF"/>
+              <a:srgbClr val="7030A0"/>
             </a:solidFill>
             <a:prstDash val="sysDash"/>
             <a:headEnd type="arrow" w="med" len="med"/>
@@ -5352,7 +5334,7 @@
         </p:nvSpPr>
         <p:spPr>
           <a:xfrm>
-            <a:off x="8301990" y="5368925"/>
+            <a:off x="7188835" y="4369435"/>
             <a:ext cx="1857375" cy="161290"/>
           </a:xfrm>
           <a:prstGeom prst="rect">
@@ -5383,7 +5365,7 @@
                   <a:srgbClr val="7030A0"/>
                 </a:solidFill>
               </a:rPr>
-              <a:t>addModuleStaged/Taken</a:t>
+              <a:t>hasModuleTaken</a:t>
             </a:r>
             <a:r>
               <a:rPr lang="en-US" sz="1050" dirty="0">
@@ -5393,11 +5375,6 @@
               </a:rPr>
               <a:t>(...)</a:t>
             </a:r>
-            <a:endParaRPr lang="en-US" sz="1050" dirty="0">
-              <a:solidFill>
-                <a:srgbClr val="7030A0"/>
-              </a:solidFill>
-            </a:endParaRPr>
           </a:p>
         </p:txBody>
       </p:sp>
@@ -5409,7 +5386,7 @@
         </p:nvCxnSpPr>
         <p:spPr>
           <a:xfrm>
-            <a:off x="8330166" y="3910971"/>
+            <a:off x="7217011" y="2853696"/>
             <a:ext cx="1836137" cy="0"/>
           </a:xfrm>
           <a:prstGeom prst="straightConnector1">
@@ -5417,7 +5394,7 @@
           </a:prstGeom>
           <a:ln w="19050">
             <a:solidFill>
-              <a:srgbClr val="9933FF"/>
+              <a:srgbClr val="7030A0"/>
             </a:solidFill>
             <a:tailEnd type="arrow"/>
           </a:ln>
@@ -5445,7 +5422,7 @@
         </p:nvSpPr>
         <p:spPr>
           <a:xfrm>
-            <a:off x="8660172" y="3749371"/>
+            <a:off x="7547017" y="2692096"/>
             <a:ext cx="1424846" cy="161290"/>
           </a:xfrm>
           <a:prstGeom prst="rect">
@@ -5486,11 +5463,6 @@
               </a:rPr>
               <a:t>()</a:t>
             </a:r>
-            <a:endParaRPr lang="en-US" sz="1050" dirty="0">
-              <a:solidFill>
-                <a:srgbClr val="7030A0"/>
-              </a:solidFill>
-            </a:endParaRPr>
           </a:p>
         </p:txBody>
       </p:sp>
@@ -5502,7 +5474,7 @@
         </p:nvSpPr>
         <p:spPr>
           <a:xfrm>
-            <a:off x="8606226" y="3901375"/>
+            <a:off x="7493071" y="2844100"/>
             <a:ext cx="1424846" cy="161290"/>
           </a:xfrm>
           <a:prstGeom prst="rect">
@@ -5535,31 +5507,28 @@
               </a:rPr>
               <a:t>User</a:t>
             </a:r>
-            <a:endParaRPr lang="en-US" sz="1050" i="1" dirty="0">
-              <a:solidFill>
-                <a:srgbClr val="7030A0"/>
-              </a:solidFill>
-            </a:endParaRPr>
           </a:p>
         </p:txBody>
       </p:sp>
       <p:cxnSp>
         <p:nvCxnSpPr>
           <p:cNvPr id="59" name="Straight Arrow Connector 58"/>
-          <p:cNvCxnSpPr/>
+          <p:cNvCxnSpPr>
+            <a:cxnSpLocks/>
+          </p:cNvCxnSpPr>
           <p:nvPr/>
         </p:nvCxnSpPr>
         <p:spPr>
           <a:xfrm>
-            <a:off x="8287147" y="4062841"/>
-            <a:ext cx="1865554" cy="0"/>
+            <a:off x="7216775" y="3005390"/>
+            <a:ext cx="1822771" cy="176"/>
           </a:xfrm>
           <a:prstGeom prst="straightConnector1">
             <a:avLst/>
           </a:prstGeom>
           <a:ln w="19050">
             <a:solidFill>
-              <a:srgbClr val="9933FF"/>
+              <a:srgbClr val="7030A0"/>
             </a:solidFill>
             <a:prstDash val="sysDash"/>
             <a:headEnd type="arrow" w="med" len="med"/>
@@ -5589,18 +5558,18 @@
         </p:nvSpPr>
         <p:spPr>
           <a:xfrm>
-            <a:off x="10165715" y="4213860"/>
+            <a:off x="9052560" y="3183255"/>
             <a:ext cx="139700" cy="210820"/>
           </a:xfrm>
           <a:prstGeom prst="rect">
             <a:avLst/>
           </a:prstGeom>
           <a:solidFill>
-            <a:srgbClr val="9933FF"/>
+            <a:srgbClr val="7030A0"/>
           </a:solidFill>
           <a:ln>
             <a:solidFill>
-              <a:srgbClr val="6F75F7"/>
+              <a:srgbClr val="7030A0"/>
             </a:solidFill>
           </a:ln>
           <a:effectLst/>
@@ -5621,6 +5590,7 @@
         </p:style>
         <p:txBody>
           <a:bodyPr rtlCol="0" anchor="ctr"/>
+          <a:lstStyle/>
           <a:p>
             <a:pPr algn="ctr"/>
             <a:endParaRPr lang="en-SG" sz="1400">
@@ -5639,18 +5609,18 @@
         </p:nvSpPr>
         <p:spPr>
           <a:xfrm>
-            <a:off x="10173335" y="4686935"/>
+            <a:off x="9060180" y="3629660"/>
             <a:ext cx="139700" cy="210185"/>
           </a:xfrm>
           <a:prstGeom prst="rect">
             <a:avLst/>
           </a:prstGeom>
           <a:solidFill>
-            <a:srgbClr val="9933FF"/>
+            <a:srgbClr val="7030A0"/>
           </a:solidFill>
           <a:ln>
             <a:solidFill>
-              <a:srgbClr val="6F75F7"/>
+              <a:srgbClr val="7030A0"/>
             </a:solidFill>
           </a:ln>
           <a:effectLst/>
@@ -5690,18 +5660,18 @@
         </p:nvSpPr>
         <p:spPr>
           <a:xfrm>
-            <a:off x="10169525" y="5145405"/>
+            <a:off x="9056370" y="4119245"/>
             <a:ext cx="139700" cy="189230"/>
           </a:xfrm>
           <a:prstGeom prst="rect">
             <a:avLst/>
           </a:prstGeom>
           <a:solidFill>
-            <a:srgbClr val="9933FF"/>
+            <a:srgbClr val="7030A0"/>
           </a:solidFill>
           <a:ln>
             <a:solidFill>
-              <a:srgbClr val="6F75F7"/>
+              <a:srgbClr val="7030A0"/>
             </a:solidFill>
           </a:ln>
           <a:effectLst/>
@@ -5741,18 +5711,18 @@
         </p:nvSpPr>
         <p:spPr>
           <a:xfrm>
-            <a:off x="10165715" y="5530215"/>
+            <a:off x="9052560" y="4544060"/>
             <a:ext cx="139700" cy="149860"/>
           </a:xfrm>
           <a:prstGeom prst="rect">
             <a:avLst/>
           </a:prstGeom>
           <a:solidFill>
-            <a:srgbClr val="9933FF"/>
+            <a:srgbClr val="7030A0"/>
           </a:solidFill>
           <a:ln>
             <a:solidFill>
-              <a:srgbClr val="6F75F7"/>
+              <a:srgbClr val="7030A0"/>
             </a:solidFill>
           </a:ln>
           <a:effectLst/>
@@ -5773,6 +5743,7 @@
         </p:style>
         <p:txBody>
           <a:bodyPr rtlCol="0" anchor="ctr"/>
+          <a:lstStyle/>
           <a:p>
             <a:pPr algn="ctr"/>
             <a:endParaRPr lang="en-SG" sz="1400">
@@ -5791,7 +5762,7 @@
         </p:nvCxnSpPr>
         <p:spPr>
           <a:xfrm>
-            <a:off x="1894205" y="6529705"/>
+            <a:off x="781050" y="6219190"/>
             <a:ext cx="1150620" cy="3175"/>
           </a:xfrm>
           <a:prstGeom prst="straightConnector1">
@@ -5830,7 +5801,7 @@
           <p:nvPr/>
         </p:nvPicPr>
         <p:blipFill>
-          <a:blip r:embed="rId1">
+          <a:blip r:embed="rId2" cstate="print">
             <a:extLst>
               <a:ext uri="{28A0092B-C50C-407E-A947-70E740481C1C}">
                 <a14:useLocalDpi xmlns:a14="http://schemas.microsoft.com/office/drawing/2010/main" val="0"/>
@@ -5843,14 +5814,242 @@
         </p:blipFill>
         <p:spPr>
           <a:xfrm>
-            <a:off x="8131827" y="6387372"/>
-            <a:ext cx="246400" cy="246400"/>
+            <a:off x="6998970" y="6156325"/>
+            <a:ext cx="246380" cy="246380"/>
           </a:xfrm>
           <a:prstGeom prst="rect">
             <a:avLst/>
           </a:prstGeom>
         </p:spPr>
       </p:pic>
+      <p:cxnSp>
+        <p:nvCxnSpPr>
+          <p:cNvPr id="67" name="Straight Arrow Connector 66"/>
+          <p:cNvCxnSpPr>
+            <a:cxnSpLocks/>
+          </p:cNvCxnSpPr>
+          <p:nvPr/>
+        </p:nvCxnSpPr>
+        <p:spPr>
+          <a:xfrm>
+            <a:off x="7216775" y="4937766"/>
+            <a:ext cx="1828721" cy="0"/>
+          </a:xfrm>
+          <a:prstGeom prst="straightConnector1">
+            <a:avLst/>
+          </a:prstGeom>
+          <a:ln w="19050">
+            <a:solidFill>
+              <a:srgbClr val="7030A0"/>
+            </a:solidFill>
+            <a:tailEnd type="arrow"/>
+          </a:ln>
+        </p:spPr>
+        <p:style>
+          <a:lnRef idx="1">
+            <a:schemeClr val="accent1"/>
+          </a:lnRef>
+          <a:fillRef idx="0">
+            <a:schemeClr val="accent1"/>
+          </a:fillRef>
+          <a:effectRef idx="0">
+            <a:schemeClr val="accent1"/>
+          </a:effectRef>
+          <a:fontRef idx="minor">
+            <a:schemeClr val="tx1"/>
+          </a:fontRef>
+        </p:style>
+      </p:cxnSp>
+      <p:cxnSp>
+        <p:nvCxnSpPr>
+          <p:cNvPr id="68" name="Straight Arrow Connector 67"/>
+          <p:cNvCxnSpPr/>
+          <p:nvPr/>
+        </p:nvCxnSpPr>
+        <p:spPr>
+          <a:xfrm>
+            <a:off x="7192407" y="5087731"/>
+            <a:ext cx="1865554" cy="0"/>
+          </a:xfrm>
+          <a:prstGeom prst="straightConnector1">
+            <a:avLst/>
+          </a:prstGeom>
+          <a:ln w="19050">
+            <a:solidFill>
+              <a:srgbClr val="7030A0"/>
+            </a:solidFill>
+            <a:prstDash val="sysDash"/>
+            <a:headEnd type="arrow" w="med" len="med"/>
+            <a:tailEnd type="none" w="med" len="med"/>
+          </a:ln>
+        </p:spPr>
+        <p:style>
+          <a:lnRef idx="1">
+            <a:schemeClr val="accent1"/>
+          </a:lnRef>
+          <a:fillRef idx="0">
+            <a:schemeClr val="accent1"/>
+          </a:fillRef>
+          <a:effectRef idx="0">
+            <a:schemeClr val="accent1"/>
+          </a:effectRef>
+          <a:fontRef idx="minor">
+            <a:schemeClr val="tx1"/>
+          </a:fontRef>
+        </p:style>
+      </p:cxnSp>
+      <p:sp>
+        <p:nvSpPr>
+          <p:cNvPr id="69" name="TextBox 27"/>
+          <p:cNvSpPr txBox="1"/>
+          <p:nvPr/>
+        </p:nvSpPr>
+        <p:spPr>
+          <a:xfrm>
+            <a:off x="7070189" y="4772459"/>
+            <a:ext cx="1857375" cy="161290"/>
+          </a:xfrm>
+          <a:prstGeom prst="rect">
+            <a:avLst/>
+          </a:prstGeom>
+          <a:noFill/>
+        </p:spPr>
+        <p:txBody>
+          <a:bodyPr wrap="square" lIns="0" tIns="0" rIns="0" bIns="0" rtlCol="0">
+            <a:spAutoFit/>
+          </a:bodyPr>
+          <a:lstStyle>
+            <a:defPPr>
+              <a:defRPr lang="en-US"/>
+            </a:defPPr>
+            <a:lvl1pPr algn="r">
+              <a:defRPr sz="1400">
+                <a:solidFill>
+                  <a:srgbClr val="0070C0"/>
+                </a:solidFill>
+              </a:defRPr>
+            </a:lvl1pPr>
+          </a:lstStyle>
+          <a:p>
+            <a:r>
+              <a:rPr lang="en-US" sz="1050" dirty="0" err="1">
+                <a:solidFill>
+                  <a:srgbClr val="7030A0"/>
+                </a:solidFill>
+              </a:rPr>
+              <a:t>addModuleStaged/Taken</a:t>
+            </a:r>
+            <a:r>
+              <a:rPr lang="en-US" sz="1050" dirty="0">
+                <a:solidFill>
+                  <a:srgbClr val="7030A0"/>
+                </a:solidFill>
+              </a:rPr>
+              <a:t>(...)</a:t>
+            </a:r>
+          </a:p>
+        </p:txBody>
+      </p:sp>
+      <p:sp>
+        <p:nvSpPr>
+          <p:cNvPr id="70" name="Rectangle 69"/>
+          <p:cNvSpPr/>
+          <p:nvPr/>
+        </p:nvSpPr>
+        <p:spPr>
+          <a:xfrm>
+            <a:off x="9046210" y="4937760"/>
+            <a:ext cx="139700" cy="149860"/>
+          </a:xfrm>
+          <a:prstGeom prst="rect">
+            <a:avLst/>
+          </a:prstGeom>
+          <a:solidFill>
+            <a:srgbClr val="7030A0"/>
+          </a:solidFill>
+          <a:ln>
+            <a:solidFill>
+              <a:srgbClr val="7030A0"/>
+            </a:solidFill>
+          </a:ln>
+          <a:effectLst/>
+        </p:spPr>
+        <p:style>
+          <a:lnRef idx="1">
+            <a:schemeClr val="accent3"/>
+          </a:lnRef>
+          <a:fillRef idx="2">
+            <a:schemeClr val="accent3"/>
+          </a:fillRef>
+          <a:effectRef idx="1">
+            <a:schemeClr val="accent3"/>
+          </a:effectRef>
+          <a:fontRef idx="minor">
+            <a:schemeClr val="dk1"/>
+          </a:fontRef>
+        </p:style>
+        <p:txBody>
+          <a:bodyPr rtlCol="0" anchor="ctr"/>
+          <a:lstStyle/>
+          <a:p>
+            <a:pPr algn="ctr"/>
+            <a:endParaRPr lang="en-SG" sz="1400">
+              <a:solidFill>
+                <a:schemeClr val="dk1"/>
+              </a:solidFill>
+            </a:endParaRPr>
+          </a:p>
+        </p:txBody>
+      </p:sp>
+      <p:sp>
+        <p:nvSpPr>
+          <p:cNvPr id="71" name="TextBox 48"/>
+          <p:cNvSpPr txBox="1"/>
+          <p:nvPr/>
+        </p:nvSpPr>
+        <p:spPr>
+          <a:xfrm>
+            <a:off x="7534981" y="4536375"/>
+            <a:ext cx="1424846" cy="161583"/>
+          </a:xfrm>
+          <a:prstGeom prst="rect">
+            <a:avLst/>
+          </a:prstGeom>
+          <a:noFill/>
+        </p:spPr>
+        <p:txBody>
+          <a:bodyPr wrap="square" lIns="0" tIns="0" rIns="0" bIns="0" rtlCol="0">
+            <a:spAutoFit/>
+          </a:bodyPr>
+          <a:lstStyle>
+            <a:defPPr>
+              <a:defRPr lang="en-US"/>
+            </a:defPPr>
+            <a:lvl1pPr algn="r">
+              <a:defRPr sz="1400">
+                <a:solidFill>
+                  <a:srgbClr val="0070C0"/>
+                </a:solidFill>
+              </a:defRPr>
+            </a:lvl1pPr>
+          </a:lstStyle>
+          <a:p>
+            <a:r>
+              <a:rPr lang="en-US" sz="1050" i="1" dirty="0" err="1">
+                <a:solidFill>
+                  <a:srgbClr val="7030A0"/>
+                </a:solidFill>
+              </a:rPr>
+              <a:t>boolean</a:t>
+            </a:r>
+            <a:endParaRPr lang="en-US" sz="1050" i="1" dirty="0">
+              <a:solidFill>
+                <a:srgbClr val="7030A0"/>
+              </a:solidFill>
+            </a:endParaRPr>
+          </a:p>
+        </p:txBody>
+      </p:sp>
     </p:spTree>
   </p:cSld>
   <p:clrMapOvr>
@@ -6110,6 +6309,8 @@
       </a:bgFillStyleLst>
     </a:fmtScheme>
   </a:themeElements>
+  <a:objectDefaults/>
+  <a:extraClrSchemeLst/>
   <a:extLst>
     <a:ext uri="{05A4C25C-085E-4340-85A3-A5531E510DB2}">
       <thm15:themeFamily xmlns:thm15="http://schemas.microsoft.com/office/thememl/2012/main" name="Office Theme" id="{62F939B6-93AF-4DB8-9C6B-D6C7DFDC589F}" vid="{4A3C46E8-61CC-4603-A589-7422A47A8E4A}"/>
